--- a/Job Scheduling/assignment/(M10759011)Branch-and_bound_Programming/demo-1.pptx
+++ b/Job Scheduling/assignment/(M10759011)Branch-and_bound_Programming/demo-1.pptx
@@ -256,7 +256,7 @@
           <a:p>
             <a:fld id="{63A1C593-65D0-4073-BCC9-577B9352EA97}" type="datetimeFigureOut">
               <a:rPr lang="en-US" smtClean="0"/>
-              <a:t>12/26/18</a:t>
+              <a:t>1/2/2019</a:t>
             </a:fld>
             <a:endParaRPr lang="en-US"/>
           </a:p>
@@ -426,7 +426,7 @@
           <a:p>
             <a:fld id="{63A1C593-65D0-4073-BCC9-577B9352EA97}" type="datetimeFigureOut">
               <a:rPr lang="en-US" smtClean="0"/>
-              <a:t>12/26/18</a:t>
+              <a:t>1/2/2019</a:t>
             </a:fld>
             <a:endParaRPr lang="en-US"/>
           </a:p>
@@ -606,7 +606,7 @@
           <a:p>
             <a:fld id="{63A1C593-65D0-4073-BCC9-577B9352EA97}" type="datetimeFigureOut">
               <a:rPr lang="en-US" smtClean="0"/>
-              <a:t>12/26/18</a:t>
+              <a:t>1/2/2019</a:t>
             </a:fld>
             <a:endParaRPr lang="en-US"/>
           </a:p>
@@ -776,7 +776,7 @@
           <a:p>
             <a:fld id="{63A1C593-65D0-4073-BCC9-577B9352EA97}" type="datetimeFigureOut">
               <a:rPr lang="en-US" smtClean="0"/>
-              <a:t>12/26/18</a:t>
+              <a:t>1/2/2019</a:t>
             </a:fld>
             <a:endParaRPr lang="en-US"/>
           </a:p>
@@ -1022,7 +1022,7 @@
           <a:p>
             <a:fld id="{63A1C593-65D0-4073-BCC9-577B9352EA97}" type="datetimeFigureOut">
               <a:rPr lang="en-US" smtClean="0"/>
-              <a:t>12/26/18</a:t>
+              <a:t>1/2/2019</a:t>
             </a:fld>
             <a:endParaRPr lang="en-US"/>
           </a:p>
@@ -1254,7 +1254,7 @@
           <a:p>
             <a:fld id="{63A1C593-65D0-4073-BCC9-577B9352EA97}" type="datetimeFigureOut">
               <a:rPr lang="en-US" smtClean="0"/>
-              <a:t>12/26/18</a:t>
+              <a:t>1/2/2019</a:t>
             </a:fld>
             <a:endParaRPr lang="en-US"/>
           </a:p>
@@ -1621,7 +1621,7 @@
           <a:p>
             <a:fld id="{63A1C593-65D0-4073-BCC9-577B9352EA97}" type="datetimeFigureOut">
               <a:rPr lang="en-US" smtClean="0"/>
-              <a:t>12/26/18</a:t>
+              <a:t>1/2/2019</a:t>
             </a:fld>
             <a:endParaRPr lang="en-US"/>
           </a:p>
@@ -1739,7 +1739,7 @@
           <a:p>
             <a:fld id="{63A1C593-65D0-4073-BCC9-577B9352EA97}" type="datetimeFigureOut">
               <a:rPr lang="en-US" smtClean="0"/>
-              <a:t>12/26/18</a:t>
+              <a:t>1/2/2019</a:t>
             </a:fld>
             <a:endParaRPr lang="en-US"/>
           </a:p>
@@ -1834,7 +1834,7 @@
           <a:p>
             <a:fld id="{63A1C593-65D0-4073-BCC9-577B9352EA97}" type="datetimeFigureOut">
               <a:rPr lang="en-US" smtClean="0"/>
-              <a:t>12/26/18</a:t>
+              <a:t>1/2/2019</a:t>
             </a:fld>
             <a:endParaRPr lang="en-US"/>
           </a:p>
@@ -2111,7 +2111,7 @@
           <a:p>
             <a:fld id="{63A1C593-65D0-4073-BCC9-577B9352EA97}" type="datetimeFigureOut">
               <a:rPr lang="en-US" smtClean="0"/>
-              <a:t>12/26/18</a:t>
+              <a:t>1/2/2019</a:t>
             </a:fld>
             <a:endParaRPr lang="en-US"/>
           </a:p>
@@ -2364,7 +2364,7 @@
           <a:p>
             <a:fld id="{63A1C593-65D0-4073-BCC9-577B9352EA97}" type="datetimeFigureOut">
               <a:rPr lang="en-US" smtClean="0"/>
-              <a:t>12/26/18</a:t>
+              <a:t>1/2/2019</a:t>
             </a:fld>
             <a:endParaRPr lang="en-US"/>
           </a:p>
@@ -2577,7 +2577,7 @@
           <a:p>
             <a:fld id="{63A1C593-65D0-4073-BCC9-577B9352EA97}" type="datetimeFigureOut">
               <a:rPr lang="en-US" smtClean="0"/>
-              <a:t>12/26/18</a:t>
+              <a:t>1/2/2019</a:t>
             </a:fld>
             <a:endParaRPr lang="en-US"/>
           </a:p>
@@ -3010,21 +3010,21 @@
                 <a:gridCol w="873044">
                   <a:extLst>
                     <a:ext uri="{9D8B030D-6E8A-4147-A177-3AD203B41FA5}">
-                      <a16:colId xmlns="" xmlns:a16="http://schemas.microsoft.com/office/drawing/2014/main" val="1842320837"/>
+                      <a16:colId xmlns:a16="http://schemas.microsoft.com/office/drawing/2014/main" val="1842320837"/>
                     </a:ext>
                   </a:extLst>
                 </a:gridCol>
                 <a:gridCol w="717388">
                   <a:extLst>
                     <a:ext uri="{9D8B030D-6E8A-4147-A177-3AD203B41FA5}">
-                      <a16:colId xmlns="" xmlns:a16="http://schemas.microsoft.com/office/drawing/2014/main" val="2038016994"/>
+                      <a16:colId xmlns:a16="http://schemas.microsoft.com/office/drawing/2014/main" val="2038016994"/>
                     </a:ext>
                   </a:extLst>
                 </a:gridCol>
                 <a:gridCol w="1028699">
                   <a:extLst>
                     <a:ext uri="{9D8B030D-6E8A-4147-A177-3AD203B41FA5}">
-                      <a16:colId xmlns="" xmlns:a16="http://schemas.microsoft.com/office/drawing/2014/main" val="3728435139"/>
+                      <a16:colId xmlns:a16="http://schemas.microsoft.com/office/drawing/2014/main" val="3728435139"/>
                     </a:ext>
                   </a:extLst>
                 </a:gridCol>
@@ -3077,7 +3077,7 @@
                 </a:tc>
                 <a:extLst>
                   <a:ext uri="{0D108BD9-81ED-4DB2-BD59-A6C34878D82A}">
-                    <a16:rowId xmlns="" xmlns:a16="http://schemas.microsoft.com/office/drawing/2014/main" val="1025974938"/>
+                    <a16:rowId xmlns:a16="http://schemas.microsoft.com/office/drawing/2014/main" val="1025974938"/>
                   </a:ext>
                 </a:extLst>
               </a:tr>
@@ -3129,7 +3129,7 @@
                 </a:tc>
                 <a:extLst>
                   <a:ext uri="{0D108BD9-81ED-4DB2-BD59-A6C34878D82A}">
-                    <a16:rowId xmlns="" xmlns:a16="http://schemas.microsoft.com/office/drawing/2014/main" val="4077566409"/>
+                    <a16:rowId xmlns:a16="http://schemas.microsoft.com/office/drawing/2014/main" val="4077566409"/>
                   </a:ext>
                 </a:extLst>
               </a:tr>
@@ -3181,7 +3181,7 @@
                 </a:tc>
                 <a:extLst>
                   <a:ext uri="{0D108BD9-81ED-4DB2-BD59-A6C34878D82A}">
-                    <a16:rowId xmlns="" xmlns:a16="http://schemas.microsoft.com/office/drawing/2014/main" val="4214053569"/>
+                    <a16:rowId xmlns:a16="http://schemas.microsoft.com/office/drawing/2014/main" val="4214053569"/>
                   </a:ext>
                 </a:extLst>
               </a:tr>
@@ -3233,7 +3233,7 @@
                 </a:tc>
                 <a:extLst>
                   <a:ext uri="{0D108BD9-81ED-4DB2-BD59-A6C34878D82A}">
-                    <a16:rowId xmlns="" xmlns:a16="http://schemas.microsoft.com/office/drawing/2014/main" val="3475086053"/>
+                    <a16:rowId xmlns:a16="http://schemas.microsoft.com/office/drawing/2014/main" val="3475086053"/>
                   </a:ext>
                 </a:extLst>
               </a:tr>
@@ -3285,7 +3285,7 @@
                 </a:tc>
                 <a:extLst>
                   <a:ext uri="{0D108BD9-81ED-4DB2-BD59-A6C34878D82A}">
-                    <a16:rowId xmlns="" xmlns:a16="http://schemas.microsoft.com/office/drawing/2014/main" val="3245955256"/>
+                    <a16:rowId xmlns:a16="http://schemas.microsoft.com/office/drawing/2014/main" val="3245955256"/>
                   </a:ext>
                 </a:extLst>
               </a:tr>
@@ -3337,7 +3337,7 @@
                 </a:tc>
                 <a:extLst>
                   <a:ext uri="{0D108BD9-81ED-4DB2-BD59-A6C34878D82A}">
-                    <a16:rowId xmlns="" xmlns:a16="http://schemas.microsoft.com/office/drawing/2014/main" val="1233959304"/>
+                    <a16:rowId xmlns:a16="http://schemas.microsoft.com/office/drawing/2014/main" val="1233959304"/>
                   </a:ext>
                 </a:extLst>
               </a:tr>
@@ -3732,17 +3732,17 @@
               </a:rPr>
             </a:br>
             <a:r>
-              <a:rPr lang="en-US" altLang="zh-TW" sz="2000" dirty="0">
-                <a:ln w="0"/>
-                <a:effectLst>
-                  <a:outerShdw blurRad="38100" dist="19050" dir="2700000" algn="tl" rotWithShape="0">
-                    <a:schemeClr val="dk1">
-                      <a:alpha val="40000"/>
-                    </a:schemeClr>
-                  </a:outerShdw>
-                </a:effectLst>
-              </a:rPr>
-              <a:t>U</a:t>
+              <a:rPr lang="en-US" altLang="zh-TW" sz="2000" dirty="0" smtClean="0">
+                <a:ln w="0"/>
+                <a:effectLst>
+                  <a:outerShdw blurRad="38100" dist="19050" dir="2700000" algn="tl" rotWithShape="0">
+                    <a:schemeClr val="dk1">
+                      <a:alpha val="40000"/>
+                    </a:schemeClr>
+                  </a:outerShdw>
+                </a:effectLst>
+              </a:rPr>
+              <a:t>Best</a:t>
             </a:r>
             <a:r>
               <a:rPr lang="en-US" altLang="zh-TW" sz="2000" b="0" cap="none" spc="0" dirty="0" smtClean="0">
@@ -3758,7 +3758,23 @@
                   </a:outerShdw>
                 </a:effectLst>
               </a:rPr>
-              <a:t>pper Bound= 0</a:t>
+              <a:t>= </a:t>
+            </a:r>
+            <a:r>
+              <a:rPr lang="en-US" altLang="zh-TW" sz="2000" b="0" cap="none" spc="0" dirty="0" smtClean="0">
+                <a:ln w="0"/>
+                <a:solidFill>
+                  <a:schemeClr val="tx1"/>
+                </a:solidFill>
+                <a:effectLst>
+                  <a:outerShdw blurRad="38100" dist="19050" dir="2700000" algn="tl" rotWithShape="0">
+                    <a:schemeClr val="dk1">
+                      <a:alpha val="40000"/>
+                    </a:schemeClr>
+                  </a:outerShdw>
+                </a:effectLst>
+              </a:rPr>
+              <a:t>0</a:t>
             </a:r>
             <a:endParaRPr lang="zh-TW" altLang="en-US" sz="2000" b="0" cap="none" spc="0" dirty="0">
               <a:ln w="0"/>
@@ -3872,7 +3888,7 @@
         </p:nvSpPr>
         <p:spPr>
           <a:xfrm>
-            <a:off x="737720" y="3456021"/>
+            <a:off x="737720" y="3456022"/>
             <a:ext cx="2197929" cy="2246769"/>
           </a:xfrm>
           <a:prstGeom prst="rect">
@@ -4073,17 +4089,17 @@
               </a:rPr>
             </a:br>
             <a:r>
-              <a:rPr lang="en-US" altLang="zh-TW" sz="2000" dirty="0">
-                <a:ln w="0"/>
-                <a:effectLst>
-                  <a:outerShdw blurRad="38100" dist="19050" dir="2700000" algn="tl" rotWithShape="0">
-                    <a:schemeClr val="dk1">
-                      <a:alpha val="40000"/>
-                    </a:schemeClr>
-                  </a:outerShdw>
-                </a:effectLst>
-              </a:rPr>
-              <a:t>U</a:t>
+              <a:rPr lang="en-US" altLang="zh-TW" sz="2000" dirty="0" smtClean="0">
+                <a:ln w="0"/>
+                <a:effectLst>
+                  <a:outerShdw blurRad="38100" dist="19050" dir="2700000" algn="tl" rotWithShape="0">
+                    <a:schemeClr val="dk1">
+                      <a:alpha val="40000"/>
+                    </a:schemeClr>
+                  </a:outerShdw>
+                </a:effectLst>
+              </a:rPr>
+              <a:t>Best</a:t>
             </a:r>
             <a:r>
               <a:rPr lang="en-US" altLang="zh-TW" sz="2000" b="0" cap="none" spc="0" dirty="0" smtClean="0">
@@ -4099,9 +4115,25 @@
                   </a:outerShdw>
                 </a:effectLst>
               </a:rPr>
-              <a:t>pper Bound= 55</a:t>
-            </a:r>
-            <a:endParaRPr lang="zh-TW" altLang="en-US" sz="2000" b="0" cap="none" spc="0" dirty="0">
+              <a:t>= </a:t>
+            </a:r>
+            <a:r>
+              <a:rPr lang="en-US" altLang="zh-TW" sz="2000" b="0" cap="none" spc="0" dirty="0" smtClean="0">
+                <a:ln w="0"/>
+                <a:solidFill>
+                  <a:schemeClr val="tx1"/>
+                </a:solidFill>
+                <a:effectLst>
+                  <a:outerShdw blurRad="38100" dist="19050" dir="2700000" algn="tl" rotWithShape="0">
+                    <a:schemeClr val="dk1">
+                      <a:alpha val="40000"/>
+                    </a:schemeClr>
+                  </a:outerShdw>
+                </a:effectLst>
+              </a:rPr>
+              <a:t>55</a:t>
+            </a:r>
+            <a:endParaRPr lang="zh-TW" altLang="en-US" sz="2000" b="1" cap="none" spc="0" dirty="0">
               <a:ln w="0"/>
               <a:solidFill>
                 <a:schemeClr val="tx1"/>
@@ -4681,21 +4713,21 @@
                 <a:gridCol w="873044">
                   <a:extLst>
                     <a:ext uri="{9D8B030D-6E8A-4147-A177-3AD203B41FA5}">
-                      <a16:colId xmlns="" xmlns:a16="http://schemas.microsoft.com/office/drawing/2014/main" val="1842320837"/>
+                      <a16:colId xmlns:a16="http://schemas.microsoft.com/office/drawing/2014/main" val="1842320837"/>
                     </a:ext>
                   </a:extLst>
                 </a:gridCol>
                 <a:gridCol w="717388">
                   <a:extLst>
                     <a:ext uri="{9D8B030D-6E8A-4147-A177-3AD203B41FA5}">
-                      <a16:colId xmlns="" xmlns:a16="http://schemas.microsoft.com/office/drawing/2014/main" val="2038016994"/>
+                      <a16:colId xmlns:a16="http://schemas.microsoft.com/office/drawing/2014/main" val="2038016994"/>
                     </a:ext>
                   </a:extLst>
                 </a:gridCol>
                 <a:gridCol w="1028699">
                   <a:extLst>
                     <a:ext uri="{9D8B030D-6E8A-4147-A177-3AD203B41FA5}">
-                      <a16:colId xmlns="" xmlns:a16="http://schemas.microsoft.com/office/drawing/2014/main" val="3728435139"/>
+                      <a16:colId xmlns:a16="http://schemas.microsoft.com/office/drawing/2014/main" val="3728435139"/>
                     </a:ext>
                   </a:extLst>
                 </a:gridCol>
@@ -4748,7 +4780,7 @@
                 </a:tc>
                 <a:extLst>
                   <a:ext uri="{0D108BD9-81ED-4DB2-BD59-A6C34878D82A}">
-                    <a16:rowId xmlns="" xmlns:a16="http://schemas.microsoft.com/office/drawing/2014/main" val="1025974938"/>
+                    <a16:rowId xmlns:a16="http://schemas.microsoft.com/office/drawing/2014/main" val="1025974938"/>
                   </a:ext>
                 </a:extLst>
               </a:tr>
@@ -4800,7 +4832,7 @@
                 </a:tc>
                 <a:extLst>
                   <a:ext uri="{0D108BD9-81ED-4DB2-BD59-A6C34878D82A}">
-                    <a16:rowId xmlns="" xmlns:a16="http://schemas.microsoft.com/office/drawing/2014/main" val="4077566409"/>
+                    <a16:rowId xmlns:a16="http://schemas.microsoft.com/office/drawing/2014/main" val="4077566409"/>
                   </a:ext>
                 </a:extLst>
               </a:tr>
@@ -4852,7 +4884,7 @@
                 </a:tc>
                 <a:extLst>
                   <a:ext uri="{0D108BD9-81ED-4DB2-BD59-A6C34878D82A}">
-                    <a16:rowId xmlns="" xmlns:a16="http://schemas.microsoft.com/office/drawing/2014/main" val="4214053569"/>
+                    <a16:rowId xmlns:a16="http://schemas.microsoft.com/office/drawing/2014/main" val="4214053569"/>
                   </a:ext>
                 </a:extLst>
               </a:tr>
@@ -4904,7 +4936,7 @@
                 </a:tc>
                 <a:extLst>
                   <a:ext uri="{0D108BD9-81ED-4DB2-BD59-A6C34878D82A}">
-                    <a16:rowId xmlns="" xmlns:a16="http://schemas.microsoft.com/office/drawing/2014/main" val="3475086053"/>
+                    <a16:rowId xmlns:a16="http://schemas.microsoft.com/office/drawing/2014/main" val="3475086053"/>
                   </a:ext>
                 </a:extLst>
               </a:tr>
@@ -4956,7 +4988,7 @@
                 </a:tc>
                 <a:extLst>
                   <a:ext uri="{0D108BD9-81ED-4DB2-BD59-A6C34878D82A}">
-                    <a16:rowId xmlns="" xmlns:a16="http://schemas.microsoft.com/office/drawing/2014/main" val="3245955256"/>
+                    <a16:rowId xmlns:a16="http://schemas.microsoft.com/office/drawing/2014/main" val="3245955256"/>
                   </a:ext>
                 </a:extLst>
               </a:tr>
@@ -5008,7 +5040,7 @@
                 </a:tc>
                 <a:extLst>
                   <a:ext uri="{0D108BD9-81ED-4DB2-BD59-A6C34878D82A}">
-                    <a16:rowId xmlns="" xmlns:a16="http://schemas.microsoft.com/office/drawing/2014/main" val="1233959304"/>
+                    <a16:rowId xmlns:a16="http://schemas.microsoft.com/office/drawing/2014/main" val="1233959304"/>
                   </a:ext>
                 </a:extLst>
               </a:tr>
@@ -5773,7 +5805,20 @@
                   </a:outerShdw>
                 </a:effectLst>
               </a:rPr>
-              <a:t>Upper Bound= 85</a:t>
+              <a:t>Best = </a:t>
+            </a:r>
+            <a:r>
+              <a:rPr lang="en-US" altLang="zh-TW" sz="2000" dirty="0">
+                <a:ln w="0"/>
+                <a:effectLst>
+                  <a:outerShdw blurRad="38100" dist="19050" dir="2700000" algn="tl" rotWithShape="0">
+                    <a:schemeClr val="dk1">
+                      <a:alpha val="40000"/>
+                    </a:schemeClr>
+                  </a:outerShdw>
+                </a:effectLst>
+              </a:rPr>
+              <a:t>85</a:t>
             </a:r>
             <a:endParaRPr lang="zh-TW" altLang="en-US" sz="2000" dirty="0">
               <a:ln w="0"/>
@@ -7978,21 +8023,21 @@
                 <a:gridCol w="873044">
                   <a:extLst>
                     <a:ext uri="{9D8B030D-6E8A-4147-A177-3AD203B41FA5}">
-                      <a16:colId xmlns="" xmlns:a16="http://schemas.microsoft.com/office/drawing/2014/main" val="1842320837"/>
+                      <a16:colId xmlns:a16="http://schemas.microsoft.com/office/drawing/2014/main" val="1842320837"/>
                     </a:ext>
                   </a:extLst>
                 </a:gridCol>
                 <a:gridCol w="717388">
                   <a:extLst>
                     <a:ext uri="{9D8B030D-6E8A-4147-A177-3AD203B41FA5}">
-                      <a16:colId xmlns="" xmlns:a16="http://schemas.microsoft.com/office/drawing/2014/main" val="2038016994"/>
+                      <a16:colId xmlns:a16="http://schemas.microsoft.com/office/drawing/2014/main" val="2038016994"/>
                     </a:ext>
                   </a:extLst>
                 </a:gridCol>
                 <a:gridCol w="1028699">
                   <a:extLst>
                     <a:ext uri="{9D8B030D-6E8A-4147-A177-3AD203B41FA5}">
-                      <a16:colId xmlns="" xmlns:a16="http://schemas.microsoft.com/office/drawing/2014/main" val="3728435139"/>
+                      <a16:colId xmlns:a16="http://schemas.microsoft.com/office/drawing/2014/main" val="3728435139"/>
                     </a:ext>
                   </a:extLst>
                 </a:gridCol>
@@ -8045,7 +8090,7 @@
                 </a:tc>
                 <a:extLst>
                   <a:ext uri="{0D108BD9-81ED-4DB2-BD59-A6C34878D82A}">
-                    <a16:rowId xmlns="" xmlns:a16="http://schemas.microsoft.com/office/drawing/2014/main" val="1025974938"/>
+                    <a16:rowId xmlns:a16="http://schemas.microsoft.com/office/drawing/2014/main" val="1025974938"/>
                   </a:ext>
                 </a:extLst>
               </a:tr>
@@ -8097,7 +8142,7 @@
                 </a:tc>
                 <a:extLst>
                   <a:ext uri="{0D108BD9-81ED-4DB2-BD59-A6C34878D82A}">
-                    <a16:rowId xmlns="" xmlns:a16="http://schemas.microsoft.com/office/drawing/2014/main" val="4077566409"/>
+                    <a16:rowId xmlns:a16="http://schemas.microsoft.com/office/drawing/2014/main" val="4077566409"/>
                   </a:ext>
                 </a:extLst>
               </a:tr>
@@ -8149,7 +8194,7 @@
                 </a:tc>
                 <a:extLst>
                   <a:ext uri="{0D108BD9-81ED-4DB2-BD59-A6C34878D82A}">
-                    <a16:rowId xmlns="" xmlns:a16="http://schemas.microsoft.com/office/drawing/2014/main" val="4214053569"/>
+                    <a16:rowId xmlns:a16="http://schemas.microsoft.com/office/drawing/2014/main" val="4214053569"/>
                   </a:ext>
                 </a:extLst>
               </a:tr>
@@ -8201,7 +8246,7 @@
                 </a:tc>
                 <a:extLst>
                   <a:ext uri="{0D108BD9-81ED-4DB2-BD59-A6C34878D82A}">
-                    <a16:rowId xmlns="" xmlns:a16="http://schemas.microsoft.com/office/drawing/2014/main" val="3475086053"/>
+                    <a16:rowId xmlns:a16="http://schemas.microsoft.com/office/drawing/2014/main" val="3475086053"/>
                   </a:ext>
                 </a:extLst>
               </a:tr>
@@ -8253,7 +8298,7 @@
                 </a:tc>
                 <a:extLst>
                   <a:ext uri="{0D108BD9-81ED-4DB2-BD59-A6C34878D82A}">
-                    <a16:rowId xmlns="" xmlns:a16="http://schemas.microsoft.com/office/drawing/2014/main" val="3245955256"/>
+                    <a16:rowId xmlns:a16="http://schemas.microsoft.com/office/drawing/2014/main" val="3245955256"/>
                   </a:ext>
                 </a:extLst>
               </a:tr>
@@ -8305,7 +8350,7 @@
                 </a:tc>
                 <a:extLst>
                   <a:ext uri="{0D108BD9-81ED-4DB2-BD59-A6C34878D82A}">
-                    <a16:rowId xmlns="" xmlns:a16="http://schemas.microsoft.com/office/drawing/2014/main" val="1233959304"/>
+                    <a16:rowId xmlns:a16="http://schemas.microsoft.com/office/drawing/2014/main" val="1233959304"/>
                   </a:ext>
                 </a:extLst>
               </a:tr>
@@ -9110,7 +9155,7 @@
                   </a:outerShdw>
                 </a:effectLst>
               </a:rPr>
-              <a:t>Upper Bound= </a:t>
+              <a:t>Best = </a:t>
             </a:r>
             <a:r>
               <a:rPr lang="en-US" altLang="zh-TW" sz="2000" dirty="0" smtClean="0">
@@ -11119,7 +11164,7 @@
         </p:nvSpPr>
         <p:spPr>
           <a:xfrm>
-            <a:off x="737719" y="3465081"/>
+            <a:off x="737719" y="3467168"/>
             <a:ext cx="2197929" cy="2554545"/>
           </a:xfrm>
           <a:prstGeom prst="rect">
@@ -11330,7 +11375,7 @@
                   </a:outerShdw>
                 </a:effectLst>
               </a:rPr>
-              <a:t>Upper Bound= </a:t>
+              <a:t>Best = </a:t>
             </a:r>
             <a:r>
               <a:rPr lang="en-US" altLang="zh-TW" sz="2000" dirty="0" smtClean="0">
@@ -11877,21 +11922,21 @@
                 <a:gridCol w="873044">
                   <a:extLst>
                     <a:ext uri="{9D8B030D-6E8A-4147-A177-3AD203B41FA5}">
-                      <a16:colId xmlns="" xmlns:a16="http://schemas.microsoft.com/office/drawing/2014/main" val="1842320837"/>
+                      <a16:colId xmlns:a16="http://schemas.microsoft.com/office/drawing/2014/main" val="1842320837"/>
                     </a:ext>
                   </a:extLst>
                 </a:gridCol>
                 <a:gridCol w="717388">
                   <a:extLst>
                     <a:ext uri="{9D8B030D-6E8A-4147-A177-3AD203B41FA5}">
-                      <a16:colId xmlns="" xmlns:a16="http://schemas.microsoft.com/office/drawing/2014/main" val="2038016994"/>
+                      <a16:colId xmlns:a16="http://schemas.microsoft.com/office/drawing/2014/main" val="2038016994"/>
                     </a:ext>
                   </a:extLst>
                 </a:gridCol>
                 <a:gridCol w="1028699">
                   <a:extLst>
                     <a:ext uri="{9D8B030D-6E8A-4147-A177-3AD203B41FA5}">
-                      <a16:colId xmlns="" xmlns:a16="http://schemas.microsoft.com/office/drawing/2014/main" val="3728435139"/>
+                      <a16:colId xmlns:a16="http://schemas.microsoft.com/office/drawing/2014/main" val="3728435139"/>
                     </a:ext>
                   </a:extLst>
                 </a:gridCol>
@@ -11944,7 +11989,7 @@
                 </a:tc>
                 <a:extLst>
                   <a:ext uri="{0D108BD9-81ED-4DB2-BD59-A6C34878D82A}">
-                    <a16:rowId xmlns="" xmlns:a16="http://schemas.microsoft.com/office/drawing/2014/main" val="1025974938"/>
+                    <a16:rowId xmlns:a16="http://schemas.microsoft.com/office/drawing/2014/main" val="1025974938"/>
                   </a:ext>
                 </a:extLst>
               </a:tr>
@@ -11996,7 +12041,7 @@
                 </a:tc>
                 <a:extLst>
                   <a:ext uri="{0D108BD9-81ED-4DB2-BD59-A6C34878D82A}">
-                    <a16:rowId xmlns="" xmlns:a16="http://schemas.microsoft.com/office/drawing/2014/main" val="4077566409"/>
+                    <a16:rowId xmlns:a16="http://schemas.microsoft.com/office/drawing/2014/main" val="4077566409"/>
                   </a:ext>
                 </a:extLst>
               </a:tr>
@@ -12048,7 +12093,7 @@
                 </a:tc>
                 <a:extLst>
                   <a:ext uri="{0D108BD9-81ED-4DB2-BD59-A6C34878D82A}">
-                    <a16:rowId xmlns="" xmlns:a16="http://schemas.microsoft.com/office/drawing/2014/main" val="4214053569"/>
+                    <a16:rowId xmlns:a16="http://schemas.microsoft.com/office/drawing/2014/main" val="4214053569"/>
                   </a:ext>
                 </a:extLst>
               </a:tr>
@@ -12100,7 +12145,7 @@
                 </a:tc>
                 <a:extLst>
                   <a:ext uri="{0D108BD9-81ED-4DB2-BD59-A6C34878D82A}">
-                    <a16:rowId xmlns="" xmlns:a16="http://schemas.microsoft.com/office/drawing/2014/main" val="3475086053"/>
+                    <a16:rowId xmlns:a16="http://schemas.microsoft.com/office/drawing/2014/main" val="3475086053"/>
                   </a:ext>
                 </a:extLst>
               </a:tr>
@@ -12152,7 +12197,7 @@
                 </a:tc>
                 <a:extLst>
                   <a:ext uri="{0D108BD9-81ED-4DB2-BD59-A6C34878D82A}">
-                    <a16:rowId xmlns="" xmlns:a16="http://schemas.microsoft.com/office/drawing/2014/main" val="3245955256"/>
+                    <a16:rowId xmlns:a16="http://schemas.microsoft.com/office/drawing/2014/main" val="3245955256"/>
                   </a:ext>
                 </a:extLst>
               </a:tr>
@@ -12204,7 +12249,7 @@
                 </a:tc>
                 <a:extLst>
                   <a:ext uri="{0D108BD9-81ED-4DB2-BD59-A6C34878D82A}">
-                    <a16:rowId xmlns="" xmlns:a16="http://schemas.microsoft.com/office/drawing/2014/main" val="1233959304"/>
+                    <a16:rowId xmlns:a16="http://schemas.microsoft.com/office/drawing/2014/main" val="1233959304"/>
                   </a:ext>
                 </a:extLst>
               </a:tr>
@@ -13049,7 +13094,7 @@
                   </a:outerShdw>
                 </a:effectLst>
               </a:rPr>
-              <a:t>Upper Bound= </a:t>
+              <a:t>Best = </a:t>
             </a:r>
             <a:r>
               <a:rPr lang="en-US" altLang="zh-TW" sz="2000" dirty="0" smtClean="0">
@@ -15641,21 +15686,21 @@
                 <a:gridCol w="873044">
                   <a:extLst>
                     <a:ext uri="{9D8B030D-6E8A-4147-A177-3AD203B41FA5}">
-                      <a16:colId xmlns="" xmlns:a16="http://schemas.microsoft.com/office/drawing/2014/main" val="1842320837"/>
+                      <a16:colId xmlns:a16="http://schemas.microsoft.com/office/drawing/2014/main" val="1842320837"/>
                     </a:ext>
                   </a:extLst>
                 </a:gridCol>
                 <a:gridCol w="717388">
                   <a:extLst>
                     <a:ext uri="{9D8B030D-6E8A-4147-A177-3AD203B41FA5}">
-                      <a16:colId xmlns="" xmlns:a16="http://schemas.microsoft.com/office/drawing/2014/main" val="2038016994"/>
+                      <a16:colId xmlns:a16="http://schemas.microsoft.com/office/drawing/2014/main" val="2038016994"/>
                     </a:ext>
                   </a:extLst>
                 </a:gridCol>
                 <a:gridCol w="1028699">
                   <a:extLst>
                     <a:ext uri="{9D8B030D-6E8A-4147-A177-3AD203B41FA5}">
-                      <a16:colId xmlns="" xmlns:a16="http://schemas.microsoft.com/office/drawing/2014/main" val="3728435139"/>
+                      <a16:colId xmlns:a16="http://schemas.microsoft.com/office/drawing/2014/main" val="3728435139"/>
                     </a:ext>
                   </a:extLst>
                 </a:gridCol>
@@ -15708,7 +15753,7 @@
                 </a:tc>
                 <a:extLst>
                   <a:ext uri="{0D108BD9-81ED-4DB2-BD59-A6C34878D82A}">
-                    <a16:rowId xmlns="" xmlns:a16="http://schemas.microsoft.com/office/drawing/2014/main" val="1025974938"/>
+                    <a16:rowId xmlns:a16="http://schemas.microsoft.com/office/drawing/2014/main" val="1025974938"/>
                   </a:ext>
                 </a:extLst>
               </a:tr>
@@ -15760,7 +15805,7 @@
                 </a:tc>
                 <a:extLst>
                   <a:ext uri="{0D108BD9-81ED-4DB2-BD59-A6C34878D82A}">
-                    <a16:rowId xmlns="" xmlns:a16="http://schemas.microsoft.com/office/drawing/2014/main" val="4077566409"/>
+                    <a16:rowId xmlns:a16="http://schemas.microsoft.com/office/drawing/2014/main" val="4077566409"/>
                   </a:ext>
                 </a:extLst>
               </a:tr>
@@ -15812,7 +15857,7 @@
                 </a:tc>
                 <a:extLst>
                   <a:ext uri="{0D108BD9-81ED-4DB2-BD59-A6C34878D82A}">
-                    <a16:rowId xmlns="" xmlns:a16="http://schemas.microsoft.com/office/drawing/2014/main" val="4214053569"/>
+                    <a16:rowId xmlns:a16="http://schemas.microsoft.com/office/drawing/2014/main" val="4214053569"/>
                   </a:ext>
                 </a:extLst>
               </a:tr>
@@ -15864,7 +15909,7 @@
                 </a:tc>
                 <a:extLst>
                   <a:ext uri="{0D108BD9-81ED-4DB2-BD59-A6C34878D82A}">
-                    <a16:rowId xmlns="" xmlns:a16="http://schemas.microsoft.com/office/drawing/2014/main" val="3475086053"/>
+                    <a16:rowId xmlns:a16="http://schemas.microsoft.com/office/drawing/2014/main" val="3475086053"/>
                   </a:ext>
                 </a:extLst>
               </a:tr>
@@ -15916,7 +15961,7 @@
                 </a:tc>
                 <a:extLst>
                   <a:ext uri="{0D108BD9-81ED-4DB2-BD59-A6C34878D82A}">
-                    <a16:rowId xmlns="" xmlns:a16="http://schemas.microsoft.com/office/drawing/2014/main" val="3245955256"/>
+                    <a16:rowId xmlns:a16="http://schemas.microsoft.com/office/drawing/2014/main" val="3245955256"/>
                   </a:ext>
                 </a:extLst>
               </a:tr>
@@ -15968,7 +16013,7 @@
                 </a:tc>
                 <a:extLst>
                   <a:ext uri="{0D108BD9-81ED-4DB2-BD59-A6C34878D82A}">
-                    <a16:rowId xmlns="" xmlns:a16="http://schemas.microsoft.com/office/drawing/2014/main" val="1233959304"/>
+                    <a16:rowId xmlns:a16="http://schemas.microsoft.com/office/drawing/2014/main" val="1233959304"/>
                   </a:ext>
                 </a:extLst>
               </a:tr>
@@ -16841,7 +16886,7 @@
                   </a:outerShdw>
                 </a:effectLst>
               </a:rPr>
-              <a:t>Upper Bound= </a:t>
+              <a:t>Best = </a:t>
             </a:r>
             <a:r>
               <a:rPr lang="en-US" altLang="zh-TW" sz="2000" dirty="0" smtClean="0">
@@ -19224,7 +19269,7 @@
         </p:nvSpPr>
         <p:spPr>
           <a:xfrm>
-            <a:off x="737719" y="3461928"/>
+            <a:off x="746952" y="3452496"/>
             <a:ext cx="2197929" cy="2554545"/>
           </a:xfrm>
           <a:prstGeom prst="rect">
@@ -19423,7 +19468,7 @@
                   </a:outerShdw>
                 </a:effectLst>
               </a:rPr>
-              <a:t>Upper Bound= </a:t>
+              <a:t>Best = </a:t>
             </a:r>
             <a:r>
               <a:rPr lang="en-US" altLang="zh-TW" sz="2000" dirty="0" smtClean="0">
@@ -19952,21 +19997,21 @@
                 <a:gridCol w="873044">
                   <a:extLst>
                     <a:ext uri="{9D8B030D-6E8A-4147-A177-3AD203B41FA5}">
-                      <a16:colId xmlns="" xmlns:a16="http://schemas.microsoft.com/office/drawing/2014/main" val="1842320837"/>
+                      <a16:colId xmlns:a16="http://schemas.microsoft.com/office/drawing/2014/main" val="1842320837"/>
                     </a:ext>
                   </a:extLst>
                 </a:gridCol>
                 <a:gridCol w="717388">
                   <a:extLst>
                     <a:ext uri="{9D8B030D-6E8A-4147-A177-3AD203B41FA5}">
-                      <a16:colId xmlns="" xmlns:a16="http://schemas.microsoft.com/office/drawing/2014/main" val="2038016994"/>
+                      <a16:colId xmlns:a16="http://schemas.microsoft.com/office/drawing/2014/main" val="2038016994"/>
                     </a:ext>
                   </a:extLst>
                 </a:gridCol>
                 <a:gridCol w="1028699">
                   <a:extLst>
                     <a:ext uri="{9D8B030D-6E8A-4147-A177-3AD203B41FA5}">
-                      <a16:colId xmlns="" xmlns:a16="http://schemas.microsoft.com/office/drawing/2014/main" val="3728435139"/>
+                      <a16:colId xmlns:a16="http://schemas.microsoft.com/office/drawing/2014/main" val="3728435139"/>
                     </a:ext>
                   </a:extLst>
                 </a:gridCol>
@@ -20019,7 +20064,7 @@
                 </a:tc>
                 <a:extLst>
                   <a:ext uri="{0D108BD9-81ED-4DB2-BD59-A6C34878D82A}">
-                    <a16:rowId xmlns="" xmlns:a16="http://schemas.microsoft.com/office/drawing/2014/main" val="1025974938"/>
+                    <a16:rowId xmlns:a16="http://schemas.microsoft.com/office/drawing/2014/main" val="1025974938"/>
                   </a:ext>
                 </a:extLst>
               </a:tr>
@@ -20071,7 +20116,7 @@
                 </a:tc>
                 <a:extLst>
                   <a:ext uri="{0D108BD9-81ED-4DB2-BD59-A6C34878D82A}">
-                    <a16:rowId xmlns="" xmlns:a16="http://schemas.microsoft.com/office/drawing/2014/main" val="4077566409"/>
+                    <a16:rowId xmlns:a16="http://schemas.microsoft.com/office/drawing/2014/main" val="4077566409"/>
                   </a:ext>
                 </a:extLst>
               </a:tr>
@@ -20123,7 +20168,7 @@
                 </a:tc>
                 <a:extLst>
                   <a:ext uri="{0D108BD9-81ED-4DB2-BD59-A6C34878D82A}">
-                    <a16:rowId xmlns="" xmlns:a16="http://schemas.microsoft.com/office/drawing/2014/main" val="4214053569"/>
+                    <a16:rowId xmlns:a16="http://schemas.microsoft.com/office/drawing/2014/main" val="4214053569"/>
                   </a:ext>
                 </a:extLst>
               </a:tr>
@@ -20175,7 +20220,7 @@
                 </a:tc>
                 <a:extLst>
                   <a:ext uri="{0D108BD9-81ED-4DB2-BD59-A6C34878D82A}">
-                    <a16:rowId xmlns="" xmlns:a16="http://schemas.microsoft.com/office/drawing/2014/main" val="3475086053"/>
+                    <a16:rowId xmlns:a16="http://schemas.microsoft.com/office/drawing/2014/main" val="3475086053"/>
                   </a:ext>
                 </a:extLst>
               </a:tr>
@@ -20227,7 +20272,7 @@
                 </a:tc>
                 <a:extLst>
                   <a:ext uri="{0D108BD9-81ED-4DB2-BD59-A6C34878D82A}">
-                    <a16:rowId xmlns="" xmlns:a16="http://schemas.microsoft.com/office/drawing/2014/main" val="3245955256"/>
+                    <a16:rowId xmlns:a16="http://schemas.microsoft.com/office/drawing/2014/main" val="3245955256"/>
                   </a:ext>
                 </a:extLst>
               </a:tr>
@@ -20279,7 +20324,7 @@
                 </a:tc>
                 <a:extLst>
                   <a:ext uri="{0D108BD9-81ED-4DB2-BD59-A6C34878D82A}">
-                    <a16:rowId xmlns="" xmlns:a16="http://schemas.microsoft.com/office/drawing/2014/main" val="1233959304"/>
+                    <a16:rowId xmlns:a16="http://schemas.microsoft.com/office/drawing/2014/main" val="1233959304"/>
                   </a:ext>
                 </a:extLst>
               </a:tr>
@@ -24447,21 +24492,21 @@
                 <a:gridCol w="873044">
                   <a:extLst>
                     <a:ext uri="{9D8B030D-6E8A-4147-A177-3AD203B41FA5}">
-                      <a16:colId xmlns="" xmlns:a16="http://schemas.microsoft.com/office/drawing/2014/main" val="1842320837"/>
+                      <a16:colId xmlns:a16="http://schemas.microsoft.com/office/drawing/2014/main" val="1842320837"/>
                     </a:ext>
                   </a:extLst>
                 </a:gridCol>
                 <a:gridCol w="717388">
                   <a:extLst>
                     <a:ext uri="{9D8B030D-6E8A-4147-A177-3AD203B41FA5}">
-                      <a16:colId xmlns="" xmlns:a16="http://schemas.microsoft.com/office/drawing/2014/main" val="2038016994"/>
+                      <a16:colId xmlns:a16="http://schemas.microsoft.com/office/drawing/2014/main" val="2038016994"/>
                     </a:ext>
                   </a:extLst>
                 </a:gridCol>
                 <a:gridCol w="1028699">
                   <a:extLst>
                     <a:ext uri="{9D8B030D-6E8A-4147-A177-3AD203B41FA5}">
-                      <a16:colId xmlns="" xmlns:a16="http://schemas.microsoft.com/office/drawing/2014/main" val="3728435139"/>
+                      <a16:colId xmlns:a16="http://schemas.microsoft.com/office/drawing/2014/main" val="3728435139"/>
                     </a:ext>
                   </a:extLst>
                 </a:gridCol>
@@ -24514,7 +24559,7 @@
                 </a:tc>
                 <a:extLst>
                   <a:ext uri="{0D108BD9-81ED-4DB2-BD59-A6C34878D82A}">
-                    <a16:rowId xmlns="" xmlns:a16="http://schemas.microsoft.com/office/drawing/2014/main" val="1025974938"/>
+                    <a16:rowId xmlns:a16="http://schemas.microsoft.com/office/drawing/2014/main" val="1025974938"/>
                   </a:ext>
                 </a:extLst>
               </a:tr>
@@ -24566,7 +24611,7 @@
                 </a:tc>
                 <a:extLst>
                   <a:ext uri="{0D108BD9-81ED-4DB2-BD59-A6C34878D82A}">
-                    <a16:rowId xmlns="" xmlns:a16="http://schemas.microsoft.com/office/drawing/2014/main" val="4077566409"/>
+                    <a16:rowId xmlns:a16="http://schemas.microsoft.com/office/drawing/2014/main" val="4077566409"/>
                   </a:ext>
                 </a:extLst>
               </a:tr>
@@ -24618,7 +24663,7 @@
                 </a:tc>
                 <a:extLst>
                   <a:ext uri="{0D108BD9-81ED-4DB2-BD59-A6C34878D82A}">
-                    <a16:rowId xmlns="" xmlns:a16="http://schemas.microsoft.com/office/drawing/2014/main" val="4214053569"/>
+                    <a16:rowId xmlns:a16="http://schemas.microsoft.com/office/drawing/2014/main" val="4214053569"/>
                   </a:ext>
                 </a:extLst>
               </a:tr>
@@ -24670,7 +24715,7 @@
                 </a:tc>
                 <a:extLst>
                   <a:ext uri="{0D108BD9-81ED-4DB2-BD59-A6C34878D82A}">
-                    <a16:rowId xmlns="" xmlns:a16="http://schemas.microsoft.com/office/drawing/2014/main" val="3475086053"/>
+                    <a16:rowId xmlns:a16="http://schemas.microsoft.com/office/drawing/2014/main" val="3475086053"/>
                   </a:ext>
                 </a:extLst>
               </a:tr>
@@ -24722,7 +24767,7 @@
                 </a:tc>
                 <a:extLst>
                   <a:ext uri="{0D108BD9-81ED-4DB2-BD59-A6C34878D82A}">
-                    <a16:rowId xmlns="" xmlns:a16="http://schemas.microsoft.com/office/drawing/2014/main" val="3245955256"/>
+                    <a16:rowId xmlns:a16="http://schemas.microsoft.com/office/drawing/2014/main" val="3245955256"/>
                   </a:ext>
                 </a:extLst>
               </a:tr>
@@ -24774,7 +24819,7 @@
                 </a:tc>
                 <a:extLst>
                   <a:ext uri="{0D108BD9-81ED-4DB2-BD59-A6C34878D82A}">
-                    <a16:rowId xmlns="" xmlns:a16="http://schemas.microsoft.com/office/drawing/2014/main" val="1233959304"/>
+                    <a16:rowId xmlns:a16="http://schemas.microsoft.com/office/drawing/2014/main" val="1233959304"/>
                   </a:ext>
                 </a:extLst>
               </a:tr>
@@ -25209,6 +25254,19 @@
               </a:rPr>
             </a:br>
             <a:r>
+              <a:rPr lang="en-US" altLang="zh-TW" sz="2000" dirty="0" smtClean="0">
+                <a:ln w="0"/>
+                <a:effectLst>
+                  <a:outerShdw blurRad="38100" dist="19050" dir="2700000" algn="tl" rotWithShape="0">
+                    <a:schemeClr val="dk1">
+                      <a:alpha val="40000"/>
+                    </a:schemeClr>
+                  </a:outerShdw>
+                </a:effectLst>
+              </a:rPr>
+              <a:t>Best= </a:t>
+            </a:r>
+            <a:r>
               <a:rPr lang="en-US" altLang="zh-TW" sz="2000" dirty="0">
                 <a:ln w="0"/>
                 <a:effectLst>
@@ -25219,7 +25277,7 @@
                   </a:outerShdw>
                 </a:effectLst>
               </a:rPr>
-              <a:t>Upper Bound= 55</a:t>
+              <a:t>55</a:t>
             </a:r>
             <a:endParaRPr lang="zh-TW" altLang="en-US" sz="2000" dirty="0">
               <a:ln w="0"/>
@@ -25934,21 +25992,21 @@
                 <a:gridCol w="873044">
                   <a:extLst>
                     <a:ext uri="{9D8B030D-6E8A-4147-A177-3AD203B41FA5}">
-                      <a16:colId xmlns="" xmlns:a16="http://schemas.microsoft.com/office/drawing/2014/main" val="1842320837"/>
+                      <a16:colId xmlns:a16="http://schemas.microsoft.com/office/drawing/2014/main" val="1842320837"/>
                     </a:ext>
                   </a:extLst>
                 </a:gridCol>
                 <a:gridCol w="717388">
                   <a:extLst>
                     <a:ext uri="{9D8B030D-6E8A-4147-A177-3AD203B41FA5}">
-                      <a16:colId xmlns="" xmlns:a16="http://schemas.microsoft.com/office/drawing/2014/main" val="2038016994"/>
+                      <a16:colId xmlns:a16="http://schemas.microsoft.com/office/drawing/2014/main" val="2038016994"/>
                     </a:ext>
                   </a:extLst>
                 </a:gridCol>
                 <a:gridCol w="1028699">
                   <a:extLst>
                     <a:ext uri="{9D8B030D-6E8A-4147-A177-3AD203B41FA5}">
-                      <a16:colId xmlns="" xmlns:a16="http://schemas.microsoft.com/office/drawing/2014/main" val="3728435139"/>
+                      <a16:colId xmlns:a16="http://schemas.microsoft.com/office/drawing/2014/main" val="3728435139"/>
                     </a:ext>
                   </a:extLst>
                 </a:gridCol>
@@ -26001,7 +26059,7 @@
                 </a:tc>
                 <a:extLst>
                   <a:ext uri="{0D108BD9-81ED-4DB2-BD59-A6C34878D82A}">
-                    <a16:rowId xmlns="" xmlns:a16="http://schemas.microsoft.com/office/drawing/2014/main" val="1025974938"/>
+                    <a16:rowId xmlns:a16="http://schemas.microsoft.com/office/drawing/2014/main" val="1025974938"/>
                   </a:ext>
                 </a:extLst>
               </a:tr>
@@ -26053,7 +26111,7 @@
                 </a:tc>
                 <a:extLst>
                   <a:ext uri="{0D108BD9-81ED-4DB2-BD59-A6C34878D82A}">
-                    <a16:rowId xmlns="" xmlns:a16="http://schemas.microsoft.com/office/drawing/2014/main" val="4077566409"/>
+                    <a16:rowId xmlns:a16="http://schemas.microsoft.com/office/drawing/2014/main" val="4077566409"/>
                   </a:ext>
                 </a:extLst>
               </a:tr>
@@ -26105,7 +26163,7 @@
                 </a:tc>
                 <a:extLst>
                   <a:ext uri="{0D108BD9-81ED-4DB2-BD59-A6C34878D82A}">
-                    <a16:rowId xmlns="" xmlns:a16="http://schemas.microsoft.com/office/drawing/2014/main" val="4214053569"/>
+                    <a16:rowId xmlns:a16="http://schemas.microsoft.com/office/drawing/2014/main" val="4214053569"/>
                   </a:ext>
                 </a:extLst>
               </a:tr>
@@ -26157,7 +26215,7 @@
                 </a:tc>
                 <a:extLst>
                   <a:ext uri="{0D108BD9-81ED-4DB2-BD59-A6C34878D82A}">
-                    <a16:rowId xmlns="" xmlns:a16="http://schemas.microsoft.com/office/drawing/2014/main" val="3475086053"/>
+                    <a16:rowId xmlns:a16="http://schemas.microsoft.com/office/drawing/2014/main" val="3475086053"/>
                   </a:ext>
                 </a:extLst>
               </a:tr>
@@ -26209,7 +26267,7 @@
                 </a:tc>
                 <a:extLst>
                   <a:ext uri="{0D108BD9-81ED-4DB2-BD59-A6C34878D82A}">
-                    <a16:rowId xmlns="" xmlns:a16="http://schemas.microsoft.com/office/drawing/2014/main" val="3245955256"/>
+                    <a16:rowId xmlns:a16="http://schemas.microsoft.com/office/drawing/2014/main" val="3245955256"/>
                   </a:ext>
                 </a:extLst>
               </a:tr>
@@ -26261,7 +26319,7 @@
                 </a:tc>
                 <a:extLst>
                   <a:ext uri="{0D108BD9-81ED-4DB2-BD59-A6C34878D82A}">
-                    <a16:rowId xmlns="" xmlns:a16="http://schemas.microsoft.com/office/drawing/2014/main" val="1233959304"/>
+                    <a16:rowId xmlns:a16="http://schemas.microsoft.com/office/drawing/2014/main" val="1233959304"/>
                   </a:ext>
                 </a:extLst>
               </a:tr>
@@ -26746,7 +26804,20 @@
                   </a:outerShdw>
                 </a:effectLst>
               </a:rPr>
-              <a:t>Upper Bound= 55</a:t>
+              <a:t>Best = </a:t>
+            </a:r>
+            <a:r>
+              <a:rPr lang="en-US" altLang="zh-TW" sz="2000" dirty="0">
+                <a:ln w="0"/>
+                <a:effectLst>
+                  <a:outerShdw blurRad="38100" dist="19050" dir="2700000" algn="tl" rotWithShape="0">
+                    <a:schemeClr val="dk1">
+                      <a:alpha val="40000"/>
+                    </a:schemeClr>
+                  </a:outerShdw>
+                </a:effectLst>
+              </a:rPr>
+              <a:t>55</a:t>
             </a:r>
             <a:endParaRPr lang="zh-TW" altLang="en-US" sz="2000" dirty="0">
               <a:ln w="0"/>
@@ -27648,21 +27719,21 @@
                 <a:gridCol w="873044">
                   <a:extLst>
                     <a:ext uri="{9D8B030D-6E8A-4147-A177-3AD203B41FA5}">
-                      <a16:colId xmlns="" xmlns:a16="http://schemas.microsoft.com/office/drawing/2014/main" val="1842320837"/>
+                      <a16:colId xmlns:a16="http://schemas.microsoft.com/office/drawing/2014/main" val="1842320837"/>
                     </a:ext>
                   </a:extLst>
                 </a:gridCol>
                 <a:gridCol w="717388">
                   <a:extLst>
                     <a:ext uri="{9D8B030D-6E8A-4147-A177-3AD203B41FA5}">
-                      <a16:colId xmlns="" xmlns:a16="http://schemas.microsoft.com/office/drawing/2014/main" val="2038016994"/>
+                      <a16:colId xmlns:a16="http://schemas.microsoft.com/office/drawing/2014/main" val="2038016994"/>
                     </a:ext>
                   </a:extLst>
                 </a:gridCol>
                 <a:gridCol w="1028699">
                   <a:extLst>
                     <a:ext uri="{9D8B030D-6E8A-4147-A177-3AD203B41FA5}">
-                      <a16:colId xmlns="" xmlns:a16="http://schemas.microsoft.com/office/drawing/2014/main" val="3728435139"/>
+                      <a16:colId xmlns:a16="http://schemas.microsoft.com/office/drawing/2014/main" val="3728435139"/>
                     </a:ext>
                   </a:extLst>
                 </a:gridCol>
@@ -27715,7 +27786,7 @@
                 </a:tc>
                 <a:extLst>
                   <a:ext uri="{0D108BD9-81ED-4DB2-BD59-A6C34878D82A}">
-                    <a16:rowId xmlns="" xmlns:a16="http://schemas.microsoft.com/office/drawing/2014/main" val="1025974938"/>
+                    <a16:rowId xmlns:a16="http://schemas.microsoft.com/office/drawing/2014/main" val="1025974938"/>
                   </a:ext>
                 </a:extLst>
               </a:tr>
@@ -27767,7 +27838,7 @@
                 </a:tc>
                 <a:extLst>
                   <a:ext uri="{0D108BD9-81ED-4DB2-BD59-A6C34878D82A}">
-                    <a16:rowId xmlns="" xmlns:a16="http://schemas.microsoft.com/office/drawing/2014/main" val="4077566409"/>
+                    <a16:rowId xmlns:a16="http://schemas.microsoft.com/office/drawing/2014/main" val="4077566409"/>
                   </a:ext>
                 </a:extLst>
               </a:tr>
@@ -27819,7 +27890,7 @@
                 </a:tc>
                 <a:extLst>
                   <a:ext uri="{0D108BD9-81ED-4DB2-BD59-A6C34878D82A}">
-                    <a16:rowId xmlns="" xmlns:a16="http://schemas.microsoft.com/office/drawing/2014/main" val="4214053569"/>
+                    <a16:rowId xmlns:a16="http://schemas.microsoft.com/office/drawing/2014/main" val="4214053569"/>
                   </a:ext>
                 </a:extLst>
               </a:tr>
@@ -27871,7 +27942,7 @@
                 </a:tc>
                 <a:extLst>
                   <a:ext uri="{0D108BD9-81ED-4DB2-BD59-A6C34878D82A}">
-                    <a16:rowId xmlns="" xmlns:a16="http://schemas.microsoft.com/office/drawing/2014/main" val="3475086053"/>
+                    <a16:rowId xmlns:a16="http://schemas.microsoft.com/office/drawing/2014/main" val="3475086053"/>
                   </a:ext>
                 </a:extLst>
               </a:tr>
@@ -27923,7 +27994,7 @@
                 </a:tc>
                 <a:extLst>
                   <a:ext uri="{0D108BD9-81ED-4DB2-BD59-A6C34878D82A}">
-                    <a16:rowId xmlns="" xmlns:a16="http://schemas.microsoft.com/office/drawing/2014/main" val="3245955256"/>
+                    <a16:rowId xmlns:a16="http://schemas.microsoft.com/office/drawing/2014/main" val="3245955256"/>
                   </a:ext>
                 </a:extLst>
               </a:tr>
@@ -27975,7 +28046,7 @@
                 </a:tc>
                 <a:extLst>
                   <a:ext uri="{0D108BD9-81ED-4DB2-BD59-A6C34878D82A}">
-                    <a16:rowId xmlns="" xmlns:a16="http://schemas.microsoft.com/office/drawing/2014/main" val="1233959304"/>
+                    <a16:rowId xmlns:a16="http://schemas.microsoft.com/office/drawing/2014/main" val="1233959304"/>
                   </a:ext>
                 </a:extLst>
               </a:tr>
@@ -28500,7 +28571,20 @@
                   </a:outerShdw>
                 </a:effectLst>
               </a:rPr>
-              <a:t>Upper Bound= 55</a:t>
+              <a:t>Best = </a:t>
+            </a:r>
+            <a:r>
+              <a:rPr lang="en-US" altLang="zh-TW" sz="2000" dirty="0">
+                <a:ln w="0"/>
+                <a:effectLst>
+                  <a:outerShdw blurRad="38100" dist="19050" dir="2700000" algn="tl" rotWithShape="0">
+                    <a:schemeClr val="dk1">
+                      <a:alpha val="40000"/>
+                    </a:schemeClr>
+                  </a:outerShdw>
+                </a:effectLst>
+              </a:rPr>
+              <a:t>55</a:t>
             </a:r>
             <a:endParaRPr lang="zh-TW" altLang="en-US" sz="2000" dirty="0">
               <a:ln w="0"/>
@@ -29589,21 +29673,21 @@
                 <a:gridCol w="873044">
                   <a:extLst>
                     <a:ext uri="{9D8B030D-6E8A-4147-A177-3AD203B41FA5}">
-                      <a16:colId xmlns="" xmlns:a16="http://schemas.microsoft.com/office/drawing/2014/main" val="1842320837"/>
+                      <a16:colId xmlns:a16="http://schemas.microsoft.com/office/drawing/2014/main" val="1842320837"/>
                     </a:ext>
                   </a:extLst>
                 </a:gridCol>
                 <a:gridCol w="717388">
                   <a:extLst>
                     <a:ext uri="{9D8B030D-6E8A-4147-A177-3AD203B41FA5}">
-                      <a16:colId xmlns="" xmlns:a16="http://schemas.microsoft.com/office/drawing/2014/main" val="2038016994"/>
+                      <a16:colId xmlns:a16="http://schemas.microsoft.com/office/drawing/2014/main" val="2038016994"/>
                     </a:ext>
                   </a:extLst>
                 </a:gridCol>
                 <a:gridCol w="1028699">
                   <a:extLst>
                     <a:ext uri="{9D8B030D-6E8A-4147-A177-3AD203B41FA5}">
-                      <a16:colId xmlns="" xmlns:a16="http://schemas.microsoft.com/office/drawing/2014/main" val="3728435139"/>
+                      <a16:colId xmlns:a16="http://schemas.microsoft.com/office/drawing/2014/main" val="3728435139"/>
                     </a:ext>
                   </a:extLst>
                 </a:gridCol>
@@ -29656,7 +29740,7 @@
                 </a:tc>
                 <a:extLst>
                   <a:ext uri="{0D108BD9-81ED-4DB2-BD59-A6C34878D82A}">
-                    <a16:rowId xmlns="" xmlns:a16="http://schemas.microsoft.com/office/drawing/2014/main" val="1025974938"/>
+                    <a16:rowId xmlns:a16="http://schemas.microsoft.com/office/drawing/2014/main" val="1025974938"/>
                   </a:ext>
                 </a:extLst>
               </a:tr>
@@ -29708,7 +29792,7 @@
                 </a:tc>
                 <a:extLst>
                   <a:ext uri="{0D108BD9-81ED-4DB2-BD59-A6C34878D82A}">
-                    <a16:rowId xmlns="" xmlns:a16="http://schemas.microsoft.com/office/drawing/2014/main" val="4077566409"/>
+                    <a16:rowId xmlns:a16="http://schemas.microsoft.com/office/drawing/2014/main" val="4077566409"/>
                   </a:ext>
                 </a:extLst>
               </a:tr>
@@ -29760,7 +29844,7 @@
                 </a:tc>
                 <a:extLst>
                   <a:ext uri="{0D108BD9-81ED-4DB2-BD59-A6C34878D82A}">
-                    <a16:rowId xmlns="" xmlns:a16="http://schemas.microsoft.com/office/drawing/2014/main" val="4214053569"/>
+                    <a16:rowId xmlns:a16="http://schemas.microsoft.com/office/drawing/2014/main" val="4214053569"/>
                   </a:ext>
                 </a:extLst>
               </a:tr>
@@ -29812,7 +29896,7 @@
                 </a:tc>
                 <a:extLst>
                   <a:ext uri="{0D108BD9-81ED-4DB2-BD59-A6C34878D82A}">
-                    <a16:rowId xmlns="" xmlns:a16="http://schemas.microsoft.com/office/drawing/2014/main" val="3475086053"/>
+                    <a16:rowId xmlns:a16="http://schemas.microsoft.com/office/drawing/2014/main" val="3475086053"/>
                   </a:ext>
                 </a:extLst>
               </a:tr>
@@ -29864,7 +29948,7 @@
                 </a:tc>
                 <a:extLst>
                   <a:ext uri="{0D108BD9-81ED-4DB2-BD59-A6C34878D82A}">
-                    <a16:rowId xmlns="" xmlns:a16="http://schemas.microsoft.com/office/drawing/2014/main" val="3245955256"/>
+                    <a16:rowId xmlns:a16="http://schemas.microsoft.com/office/drawing/2014/main" val="3245955256"/>
                   </a:ext>
                 </a:extLst>
               </a:tr>
@@ -29916,7 +30000,7 @@
                 </a:tc>
                 <a:extLst>
                   <a:ext uri="{0D108BD9-81ED-4DB2-BD59-A6C34878D82A}">
-                    <a16:rowId xmlns="" xmlns:a16="http://schemas.microsoft.com/office/drawing/2014/main" val="1233959304"/>
+                    <a16:rowId xmlns:a16="http://schemas.microsoft.com/office/drawing/2014/main" val="1233959304"/>
                   </a:ext>
                 </a:extLst>
               </a:tr>
@@ -30481,7 +30565,20 @@
                   </a:outerShdw>
                 </a:effectLst>
               </a:rPr>
-              <a:t>Upper Bound= 55</a:t>
+              <a:t>Best = </a:t>
+            </a:r>
+            <a:r>
+              <a:rPr lang="en-US" altLang="zh-TW" sz="2000" dirty="0">
+                <a:ln w="0"/>
+                <a:effectLst>
+                  <a:outerShdw blurRad="38100" dist="19050" dir="2700000" algn="tl" rotWithShape="0">
+                    <a:schemeClr val="dk1">
+                      <a:alpha val="40000"/>
+                    </a:schemeClr>
+                  </a:outerShdw>
+                </a:effectLst>
+              </a:rPr>
+              <a:t>55</a:t>
             </a:r>
             <a:endParaRPr lang="zh-TW" altLang="en-US" sz="2000" dirty="0">
               <a:ln w="0"/>
@@ -31766,21 +31863,21 @@
                 <a:gridCol w="873044">
                   <a:extLst>
                     <a:ext uri="{9D8B030D-6E8A-4147-A177-3AD203B41FA5}">
-                      <a16:colId xmlns="" xmlns:a16="http://schemas.microsoft.com/office/drawing/2014/main" val="1842320837"/>
+                      <a16:colId xmlns:a16="http://schemas.microsoft.com/office/drawing/2014/main" val="1842320837"/>
                     </a:ext>
                   </a:extLst>
                 </a:gridCol>
                 <a:gridCol w="717388">
                   <a:extLst>
                     <a:ext uri="{9D8B030D-6E8A-4147-A177-3AD203B41FA5}">
-                      <a16:colId xmlns="" xmlns:a16="http://schemas.microsoft.com/office/drawing/2014/main" val="2038016994"/>
+                      <a16:colId xmlns:a16="http://schemas.microsoft.com/office/drawing/2014/main" val="2038016994"/>
                     </a:ext>
                   </a:extLst>
                 </a:gridCol>
                 <a:gridCol w="1028699">
                   <a:extLst>
                     <a:ext uri="{9D8B030D-6E8A-4147-A177-3AD203B41FA5}">
-                      <a16:colId xmlns="" xmlns:a16="http://schemas.microsoft.com/office/drawing/2014/main" val="3728435139"/>
+                      <a16:colId xmlns:a16="http://schemas.microsoft.com/office/drawing/2014/main" val="3728435139"/>
                     </a:ext>
                   </a:extLst>
                 </a:gridCol>
@@ -31833,7 +31930,7 @@
                 </a:tc>
                 <a:extLst>
                   <a:ext uri="{0D108BD9-81ED-4DB2-BD59-A6C34878D82A}">
-                    <a16:rowId xmlns="" xmlns:a16="http://schemas.microsoft.com/office/drawing/2014/main" val="1025974938"/>
+                    <a16:rowId xmlns:a16="http://schemas.microsoft.com/office/drawing/2014/main" val="1025974938"/>
                   </a:ext>
                 </a:extLst>
               </a:tr>
@@ -31885,7 +31982,7 @@
                 </a:tc>
                 <a:extLst>
                   <a:ext uri="{0D108BD9-81ED-4DB2-BD59-A6C34878D82A}">
-                    <a16:rowId xmlns="" xmlns:a16="http://schemas.microsoft.com/office/drawing/2014/main" val="4077566409"/>
+                    <a16:rowId xmlns:a16="http://schemas.microsoft.com/office/drawing/2014/main" val="4077566409"/>
                   </a:ext>
                 </a:extLst>
               </a:tr>
@@ -31937,7 +32034,7 @@
                 </a:tc>
                 <a:extLst>
                   <a:ext uri="{0D108BD9-81ED-4DB2-BD59-A6C34878D82A}">
-                    <a16:rowId xmlns="" xmlns:a16="http://schemas.microsoft.com/office/drawing/2014/main" val="4214053569"/>
+                    <a16:rowId xmlns:a16="http://schemas.microsoft.com/office/drawing/2014/main" val="4214053569"/>
                   </a:ext>
                 </a:extLst>
               </a:tr>
@@ -31989,7 +32086,7 @@
                 </a:tc>
                 <a:extLst>
                   <a:ext uri="{0D108BD9-81ED-4DB2-BD59-A6C34878D82A}">
-                    <a16:rowId xmlns="" xmlns:a16="http://schemas.microsoft.com/office/drawing/2014/main" val="3475086053"/>
+                    <a16:rowId xmlns:a16="http://schemas.microsoft.com/office/drawing/2014/main" val="3475086053"/>
                   </a:ext>
                 </a:extLst>
               </a:tr>
@@ -32041,7 +32138,7 @@
                 </a:tc>
                 <a:extLst>
                   <a:ext uri="{0D108BD9-81ED-4DB2-BD59-A6C34878D82A}">
-                    <a16:rowId xmlns="" xmlns:a16="http://schemas.microsoft.com/office/drawing/2014/main" val="3245955256"/>
+                    <a16:rowId xmlns:a16="http://schemas.microsoft.com/office/drawing/2014/main" val="3245955256"/>
                   </a:ext>
                 </a:extLst>
               </a:tr>
@@ -32093,7 +32190,7 @@
                 </a:tc>
                 <a:extLst>
                   <a:ext uri="{0D108BD9-81ED-4DB2-BD59-A6C34878D82A}">
-                    <a16:rowId xmlns="" xmlns:a16="http://schemas.microsoft.com/office/drawing/2014/main" val="1233959304"/>
+                    <a16:rowId xmlns:a16="http://schemas.microsoft.com/office/drawing/2014/main" val="1233959304"/>
                   </a:ext>
                 </a:extLst>
               </a:tr>
@@ -32698,7 +32795,20 @@
                   </a:outerShdw>
                 </a:effectLst>
               </a:rPr>
-              <a:t>Upper Bound= 5</a:t>
+              <a:t>Best = </a:t>
+            </a:r>
+            <a:r>
+              <a:rPr lang="en-US" altLang="zh-TW" sz="2000" dirty="0">
+                <a:ln w="0"/>
+                <a:effectLst>
+                  <a:outerShdw blurRad="38100" dist="19050" dir="2700000" algn="tl" rotWithShape="0">
+                    <a:schemeClr val="dk1">
+                      <a:alpha val="40000"/>
+                    </a:schemeClr>
+                  </a:outerShdw>
+                </a:effectLst>
+              </a:rPr>
+              <a:t>5</a:t>
             </a:r>
             <a:r>
               <a:rPr lang="en-US" altLang="zh-TW" sz="2000" dirty="0" smtClean="0">
@@ -33772,7 +33882,7 @@
         </p:nvSpPr>
         <p:spPr>
           <a:xfrm>
-            <a:off x="737720" y="3446945"/>
+            <a:off x="737719" y="3456022"/>
             <a:ext cx="2197929" cy="2554545"/>
           </a:xfrm>
           <a:prstGeom prst="rect">
@@ -33983,7 +34093,7 @@
                   </a:outerShdw>
                 </a:effectLst>
               </a:rPr>
-              <a:t>Upper Bound= </a:t>
+              <a:t>Best = </a:t>
             </a:r>
             <a:r>
               <a:rPr lang="en-US" altLang="zh-TW" sz="2000" dirty="0" smtClean="0">
@@ -34512,21 +34622,21 @@
                 <a:gridCol w="873044">
                   <a:extLst>
                     <a:ext uri="{9D8B030D-6E8A-4147-A177-3AD203B41FA5}">
-                      <a16:colId xmlns="" xmlns:a16="http://schemas.microsoft.com/office/drawing/2014/main" val="1842320837"/>
+                      <a16:colId xmlns:a16="http://schemas.microsoft.com/office/drawing/2014/main" val="1842320837"/>
                     </a:ext>
                   </a:extLst>
                 </a:gridCol>
                 <a:gridCol w="717388">
                   <a:extLst>
                     <a:ext uri="{9D8B030D-6E8A-4147-A177-3AD203B41FA5}">
-                      <a16:colId xmlns="" xmlns:a16="http://schemas.microsoft.com/office/drawing/2014/main" val="2038016994"/>
+                      <a16:colId xmlns:a16="http://schemas.microsoft.com/office/drawing/2014/main" val="2038016994"/>
                     </a:ext>
                   </a:extLst>
                 </a:gridCol>
                 <a:gridCol w="1028699">
                   <a:extLst>
                     <a:ext uri="{9D8B030D-6E8A-4147-A177-3AD203B41FA5}">
-                      <a16:colId xmlns="" xmlns:a16="http://schemas.microsoft.com/office/drawing/2014/main" val="3728435139"/>
+                      <a16:colId xmlns:a16="http://schemas.microsoft.com/office/drawing/2014/main" val="3728435139"/>
                     </a:ext>
                   </a:extLst>
                 </a:gridCol>
@@ -34579,7 +34689,7 @@
                 </a:tc>
                 <a:extLst>
                   <a:ext uri="{0D108BD9-81ED-4DB2-BD59-A6C34878D82A}">
-                    <a16:rowId xmlns="" xmlns:a16="http://schemas.microsoft.com/office/drawing/2014/main" val="1025974938"/>
+                    <a16:rowId xmlns:a16="http://schemas.microsoft.com/office/drawing/2014/main" val="1025974938"/>
                   </a:ext>
                 </a:extLst>
               </a:tr>
@@ -34631,7 +34741,7 @@
                 </a:tc>
                 <a:extLst>
                   <a:ext uri="{0D108BD9-81ED-4DB2-BD59-A6C34878D82A}">
-                    <a16:rowId xmlns="" xmlns:a16="http://schemas.microsoft.com/office/drawing/2014/main" val="4077566409"/>
+                    <a16:rowId xmlns:a16="http://schemas.microsoft.com/office/drawing/2014/main" val="4077566409"/>
                   </a:ext>
                 </a:extLst>
               </a:tr>
@@ -34683,7 +34793,7 @@
                 </a:tc>
                 <a:extLst>
                   <a:ext uri="{0D108BD9-81ED-4DB2-BD59-A6C34878D82A}">
-                    <a16:rowId xmlns="" xmlns:a16="http://schemas.microsoft.com/office/drawing/2014/main" val="4214053569"/>
+                    <a16:rowId xmlns:a16="http://schemas.microsoft.com/office/drawing/2014/main" val="4214053569"/>
                   </a:ext>
                 </a:extLst>
               </a:tr>
@@ -34735,7 +34845,7 @@
                 </a:tc>
                 <a:extLst>
                   <a:ext uri="{0D108BD9-81ED-4DB2-BD59-A6C34878D82A}">
-                    <a16:rowId xmlns="" xmlns:a16="http://schemas.microsoft.com/office/drawing/2014/main" val="3475086053"/>
+                    <a16:rowId xmlns:a16="http://schemas.microsoft.com/office/drawing/2014/main" val="3475086053"/>
                   </a:ext>
                 </a:extLst>
               </a:tr>
@@ -34787,7 +34897,7 @@
                 </a:tc>
                 <a:extLst>
                   <a:ext uri="{0D108BD9-81ED-4DB2-BD59-A6C34878D82A}">
-                    <a16:rowId xmlns="" xmlns:a16="http://schemas.microsoft.com/office/drawing/2014/main" val="3245955256"/>
+                    <a16:rowId xmlns:a16="http://schemas.microsoft.com/office/drawing/2014/main" val="3245955256"/>
                   </a:ext>
                 </a:extLst>
               </a:tr>
@@ -34839,7 +34949,7 @@
                 </a:tc>
                 <a:extLst>
                   <a:ext uri="{0D108BD9-81ED-4DB2-BD59-A6C34878D82A}">
-                    <a16:rowId xmlns="" xmlns:a16="http://schemas.microsoft.com/office/drawing/2014/main" val="1233959304"/>
+                    <a16:rowId xmlns:a16="http://schemas.microsoft.com/office/drawing/2014/main" val="1233959304"/>
                   </a:ext>
                 </a:extLst>
               </a:tr>
@@ -35484,7 +35594,7 @@
                   </a:outerShdw>
                 </a:effectLst>
               </a:rPr>
-              <a:t>Upper Bound= </a:t>
+              <a:t>Best = </a:t>
             </a:r>
             <a:r>
               <a:rPr lang="en-US" altLang="zh-TW" sz="2000" dirty="0" smtClean="0">
@@ -37148,21 +37258,21 @@
                 <a:gridCol w="873044">
                   <a:extLst>
                     <a:ext uri="{9D8B030D-6E8A-4147-A177-3AD203B41FA5}">
-                      <a16:colId xmlns="" xmlns:a16="http://schemas.microsoft.com/office/drawing/2014/main" val="1842320837"/>
+                      <a16:colId xmlns:a16="http://schemas.microsoft.com/office/drawing/2014/main" val="1842320837"/>
                     </a:ext>
                   </a:extLst>
                 </a:gridCol>
                 <a:gridCol w="717388">
                   <a:extLst>
                     <a:ext uri="{9D8B030D-6E8A-4147-A177-3AD203B41FA5}">
-                      <a16:colId xmlns="" xmlns:a16="http://schemas.microsoft.com/office/drawing/2014/main" val="2038016994"/>
+                      <a16:colId xmlns:a16="http://schemas.microsoft.com/office/drawing/2014/main" val="2038016994"/>
                     </a:ext>
                   </a:extLst>
                 </a:gridCol>
                 <a:gridCol w="1028699">
                   <a:extLst>
                     <a:ext uri="{9D8B030D-6E8A-4147-A177-3AD203B41FA5}">
-                      <a16:colId xmlns="" xmlns:a16="http://schemas.microsoft.com/office/drawing/2014/main" val="3728435139"/>
+                      <a16:colId xmlns:a16="http://schemas.microsoft.com/office/drawing/2014/main" val="3728435139"/>
                     </a:ext>
                   </a:extLst>
                 </a:gridCol>
@@ -37215,7 +37325,7 @@
                 </a:tc>
                 <a:extLst>
                   <a:ext uri="{0D108BD9-81ED-4DB2-BD59-A6C34878D82A}">
-                    <a16:rowId xmlns="" xmlns:a16="http://schemas.microsoft.com/office/drawing/2014/main" val="1025974938"/>
+                    <a16:rowId xmlns:a16="http://schemas.microsoft.com/office/drawing/2014/main" val="1025974938"/>
                   </a:ext>
                 </a:extLst>
               </a:tr>
@@ -37267,7 +37377,7 @@
                 </a:tc>
                 <a:extLst>
                   <a:ext uri="{0D108BD9-81ED-4DB2-BD59-A6C34878D82A}">
-                    <a16:rowId xmlns="" xmlns:a16="http://schemas.microsoft.com/office/drawing/2014/main" val="4077566409"/>
+                    <a16:rowId xmlns:a16="http://schemas.microsoft.com/office/drawing/2014/main" val="4077566409"/>
                   </a:ext>
                 </a:extLst>
               </a:tr>
@@ -37319,7 +37429,7 @@
                 </a:tc>
                 <a:extLst>
                   <a:ext uri="{0D108BD9-81ED-4DB2-BD59-A6C34878D82A}">
-                    <a16:rowId xmlns="" xmlns:a16="http://schemas.microsoft.com/office/drawing/2014/main" val="4214053569"/>
+                    <a16:rowId xmlns:a16="http://schemas.microsoft.com/office/drawing/2014/main" val="4214053569"/>
                   </a:ext>
                 </a:extLst>
               </a:tr>
@@ -37371,7 +37481,7 @@
                 </a:tc>
                 <a:extLst>
                   <a:ext uri="{0D108BD9-81ED-4DB2-BD59-A6C34878D82A}">
-                    <a16:rowId xmlns="" xmlns:a16="http://schemas.microsoft.com/office/drawing/2014/main" val="3475086053"/>
+                    <a16:rowId xmlns:a16="http://schemas.microsoft.com/office/drawing/2014/main" val="3475086053"/>
                   </a:ext>
                 </a:extLst>
               </a:tr>
@@ -37423,7 +37533,7 @@
                 </a:tc>
                 <a:extLst>
                   <a:ext uri="{0D108BD9-81ED-4DB2-BD59-A6C34878D82A}">
-                    <a16:rowId xmlns="" xmlns:a16="http://schemas.microsoft.com/office/drawing/2014/main" val="3245955256"/>
+                    <a16:rowId xmlns:a16="http://schemas.microsoft.com/office/drawing/2014/main" val="3245955256"/>
                   </a:ext>
                 </a:extLst>
               </a:tr>
@@ -37475,7 +37585,7 @@
                 </a:tc>
                 <a:extLst>
                   <a:ext uri="{0D108BD9-81ED-4DB2-BD59-A6C34878D82A}">
-                    <a16:rowId xmlns="" xmlns:a16="http://schemas.microsoft.com/office/drawing/2014/main" val="1233959304"/>
+                    <a16:rowId xmlns:a16="http://schemas.microsoft.com/office/drawing/2014/main" val="1233959304"/>
                   </a:ext>
                 </a:extLst>
               </a:tr>
@@ -38160,7 +38270,20 @@
                   </a:outerShdw>
                 </a:effectLst>
               </a:rPr>
-              <a:t>Upper Bound= 85</a:t>
+              <a:t>Best = </a:t>
+            </a:r>
+            <a:r>
+              <a:rPr lang="en-US" altLang="zh-TW" sz="2000" dirty="0">
+                <a:ln w="0"/>
+                <a:effectLst>
+                  <a:outerShdw blurRad="38100" dist="19050" dir="2700000" algn="tl" rotWithShape="0">
+                    <a:schemeClr val="dk1">
+                      <a:alpha val="40000"/>
+                    </a:schemeClr>
+                  </a:outerShdw>
+                </a:effectLst>
+              </a:rPr>
+              <a:t>85</a:t>
             </a:r>
             <a:endParaRPr lang="zh-TW" altLang="en-US" sz="2000" dirty="0">
               <a:ln w="0"/>
@@ -39991,21 +40114,21 @@
                 <a:gridCol w="873044">
                   <a:extLst>
                     <a:ext uri="{9D8B030D-6E8A-4147-A177-3AD203B41FA5}">
-                      <a16:colId xmlns="" xmlns:a16="http://schemas.microsoft.com/office/drawing/2014/main" val="1842320837"/>
+                      <a16:colId xmlns:a16="http://schemas.microsoft.com/office/drawing/2014/main" val="1842320837"/>
                     </a:ext>
                   </a:extLst>
                 </a:gridCol>
                 <a:gridCol w="717388">
                   <a:extLst>
                     <a:ext uri="{9D8B030D-6E8A-4147-A177-3AD203B41FA5}">
-                      <a16:colId xmlns="" xmlns:a16="http://schemas.microsoft.com/office/drawing/2014/main" val="2038016994"/>
+                      <a16:colId xmlns:a16="http://schemas.microsoft.com/office/drawing/2014/main" val="2038016994"/>
                     </a:ext>
                   </a:extLst>
                 </a:gridCol>
                 <a:gridCol w="1028699">
                   <a:extLst>
                     <a:ext uri="{9D8B030D-6E8A-4147-A177-3AD203B41FA5}">
-                      <a16:colId xmlns="" xmlns:a16="http://schemas.microsoft.com/office/drawing/2014/main" val="3728435139"/>
+                      <a16:colId xmlns:a16="http://schemas.microsoft.com/office/drawing/2014/main" val="3728435139"/>
                     </a:ext>
                   </a:extLst>
                 </a:gridCol>
@@ -40058,7 +40181,7 @@
                 </a:tc>
                 <a:extLst>
                   <a:ext uri="{0D108BD9-81ED-4DB2-BD59-A6C34878D82A}">
-                    <a16:rowId xmlns="" xmlns:a16="http://schemas.microsoft.com/office/drawing/2014/main" val="1025974938"/>
+                    <a16:rowId xmlns:a16="http://schemas.microsoft.com/office/drawing/2014/main" val="1025974938"/>
                   </a:ext>
                 </a:extLst>
               </a:tr>
@@ -40110,7 +40233,7 @@
                 </a:tc>
                 <a:extLst>
                   <a:ext uri="{0D108BD9-81ED-4DB2-BD59-A6C34878D82A}">
-                    <a16:rowId xmlns="" xmlns:a16="http://schemas.microsoft.com/office/drawing/2014/main" val="4077566409"/>
+                    <a16:rowId xmlns:a16="http://schemas.microsoft.com/office/drawing/2014/main" val="4077566409"/>
                   </a:ext>
                 </a:extLst>
               </a:tr>
@@ -40162,7 +40285,7 @@
                 </a:tc>
                 <a:extLst>
                   <a:ext uri="{0D108BD9-81ED-4DB2-BD59-A6C34878D82A}">
-                    <a16:rowId xmlns="" xmlns:a16="http://schemas.microsoft.com/office/drawing/2014/main" val="4214053569"/>
+                    <a16:rowId xmlns:a16="http://schemas.microsoft.com/office/drawing/2014/main" val="4214053569"/>
                   </a:ext>
                 </a:extLst>
               </a:tr>
@@ -40214,7 +40337,7 @@
                 </a:tc>
                 <a:extLst>
                   <a:ext uri="{0D108BD9-81ED-4DB2-BD59-A6C34878D82A}">
-                    <a16:rowId xmlns="" xmlns:a16="http://schemas.microsoft.com/office/drawing/2014/main" val="3475086053"/>
+                    <a16:rowId xmlns:a16="http://schemas.microsoft.com/office/drawing/2014/main" val="3475086053"/>
                   </a:ext>
                 </a:extLst>
               </a:tr>
@@ -40266,7 +40389,7 @@
                 </a:tc>
                 <a:extLst>
                   <a:ext uri="{0D108BD9-81ED-4DB2-BD59-A6C34878D82A}">
-                    <a16:rowId xmlns="" xmlns:a16="http://schemas.microsoft.com/office/drawing/2014/main" val="3245955256"/>
+                    <a16:rowId xmlns:a16="http://schemas.microsoft.com/office/drawing/2014/main" val="3245955256"/>
                   </a:ext>
                 </a:extLst>
               </a:tr>
@@ -40318,7 +40441,7 @@
                 </a:tc>
                 <a:extLst>
                   <a:ext uri="{0D108BD9-81ED-4DB2-BD59-A6C34878D82A}">
-                    <a16:rowId xmlns="" xmlns:a16="http://schemas.microsoft.com/office/drawing/2014/main" val="1233959304"/>
+                    <a16:rowId xmlns:a16="http://schemas.microsoft.com/office/drawing/2014/main" val="1233959304"/>
                   </a:ext>
                 </a:extLst>
               </a:tr>
@@ -41043,7 +41166,20 @@
                   </a:outerShdw>
                 </a:effectLst>
               </a:rPr>
-              <a:t>Upper Bound= 85</a:t>
+              <a:t>Best = </a:t>
+            </a:r>
+            <a:r>
+              <a:rPr lang="en-US" altLang="zh-TW" sz="2000" dirty="0">
+                <a:ln w="0"/>
+                <a:effectLst>
+                  <a:outerShdw blurRad="38100" dist="19050" dir="2700000" algn="tl" rotWithShape="0">
+                    <a:schemeClr val="dk1">
+                      <a:alpha val="40000"/>
+                    </a:schemeClr>
+                  </a:outerShdw>
+                </a:effectLst>
+              </a:rPr>
+              <a:t>85</a:t>
             </a:r>
             <a:endParaRPr lang="zh-TW" altLang="en-US" sz="2000" dirty="0">
               <a:ln w="0"/>
